--- a/MyPlantsOnline_thePresentation.pptx
+++ b/MyPlantsOnline_thePresentation.pptx
@@ -139,7 +139,7 @@
         <p:spPr bwMode="auto">
           <a:xfrm>
             <a:off x="8220990" y="1"/>
-            <a:ext cx="3971006" cy="6857460"/>
+            <a:ext cx="3971005" cy="6857460"/>
           </a:xfrm>
           <a:custGeom>
             <a:avLst/>
@@ -4279,7 +4279,7 @@
         <p:spPr bwMode="auto">
           <a:xfrm>
             <a:off x="984107" y="474624"/>
-            <a:ext cx="5463821" cy="4108919"/>
+            <a:ext cx="5463821" cy="4108918"/>
           </a:xfrm>
           <a:custGeom>
             <a:avLst/>
@@ -4366,7 +4366,7 @@
         </p:nvSpPr>
         <p:spPr bwMode="auto">
           <a:xfrm>
-            <a:off x="1045633" y="503197"/>
+            <a:off x="1045632" y="503197"/>
             <a:ext cx="5284893" cy="3974469"/>
           </a:xfrm>
           <a:custGeom>
@@ -5005,7 +5005,7 @@
         </p:nvSpPr>
         <p:spPr bwMode="auto">
           <a:xfrm>
-            <a:off x="1648463" y="4729109"/>
+            <a:off x="1648462" y="4729109"/>
             <a:ext cx="755507" cy="568121"/>
           </a:xfrm>
           <a:custGeom>
@@ -5156,7 +5156,7 @@
         <p:spPr bwMode="auto">
           <a:xfrm>
             <a:off x="2370101" y="5855034"/>
-            <a:ext cx="893514" cy="671935"/>
+            <a:ext cx="893513" cy="671935"/>
           </a:xfrm>
           <a:custGeom>
             <a:avLst/>
@@ -5305,7 +5305,7 @@
         </p:nvSpPr>
         <p:spPr bwMode="auto">
           <a:xfrm>
-            <a:off x="3596921" y="5964721"/>
+            <a:off x="3596920" y="5964721"/>
             <a:ext cx="726439" cy="546215"/>
           </a:xfrm>
           <a:custGeom>
@@ -5380,7 +5380,7 @@
         </p:nvSpPr>
         <p:spPr bwMode="auto">
           <a:xfrm>
-            <a:off x="3037843" y="5578670"/>
+            <a:off x="3037843" y="5578669"/>
             <a:ext cx="977899" cy="735271"/>
           </a:xfrm>
           <a:custGeom>
@@ -5684,7 +5684,7 @@
         <p:spPr bwMode="auto">
           <a:xfrm>
             <a:off x="815413" y="6356353"/>
-            <a:ext cx="2844799" cy="365125"/>
+            <a:ext cx="2844798" cy="365125"/>
           </a:xfrm>
           <a:prstGeom prst="rect">
             <a:avLst/>
@@ -6473,63 +6473,72 @@
           <a:chExt cx="0" cy="0"/>
         </a:xfrm>
       </p:grpSpPr>
-      <p:sp>
-        <p:nvSpPr>
-          <p:cNvPr id="1054939729" name="Заголовок 1"/>
-          <p:cNvSpPr>
-            <a:spLocks noGrp="1"/>
-          </p:cNvSpPr>
-          <p:nvPr>
-            <p:ph type="title"/>
-          </p:nvPr>
-        </p:nvSpPr>
+      <p:pic>
+        <p:nvPicPr>
+          <p:cNvPr id="1554686736" name=""/>
+          <p:cNvPicPr>
+            <a:picLocks noChangeAspect="1"/>
+          </p:cNvPicPr>
+          <p:nvPr/>
+        </p:nvPicPr>
+        <p:blipFill>
+          <a:blip r:embed="rId2"/>
+          <a:stretch/>
+        </p:blipFill>
         <p:spPr bwMode="auto">
-          <a:xfrm>
-            <a:off x="787829" y="222684"/>
-            <a:ext cx="10588757" cy="1143000"/>
+          <a:xfrm flipH="0" flipV="0">
+            <a:off x="5628408" y="841099"/>
+            <a:ext cx="3984954" cy="2241536"/>
           </a:xfrm>
+          <a:prstGeom prst="rect">
+            <a:avLst/>
+          </a:prstGeom>
         </p:spPr>
-        <p:txBody>
-          <a:bodyPr/>
-          <a:lstStyle/>
-          <a:p>
-            <a:pPr>
-              <a:defRPr/>
-            </a:pPr>
-            <a:r>
-              <a:rPr/>
-              <a:t>Библиотеки для запуска</a:t>
-            </a:r>
-            <a:endParaRPr/>
-          </a:p>
-        </p:txBody>
-      </p:sp>
-      <p:sp>
-        <p:nvSpPr>
-          <p:cNvPr id="1602924960" name="Объект 2"/>
-          <p:cNvSpPr>
-            <a:spLocks noGrp="1"/>
-          </p:cNvSpPr>
-          <p:nvPr>
-            <p:ph idx="1"/>
-          </p:nvPr>
-        </p:nvSpPr>
-        <p:spPr bwMode="auto"/>
-        <p:txBody>
-          <a:bodyPr/>
-          <a:lstStyle/>
-          <a:p>
-            <a:pPr>
-              <a:defRPr/>
-            </a:pPr>
-            <a:r>
-              <a:rPr/>
-              <a:t>Flask, SQLAlchemy, Flask_wtf</a:t>
-            </a:r>
-            <a:endParaRPr/>
-          </a:p>
-        </p:txBody>
-      </p:sp>
+      </p:pic>
+      <p:pic>
+        <p:nvPicPr>
+          <p:cNvPr id="499261413" name=""/>
+          <p:cNvPicPr>
+            <a:picLocks noChangeAspect="1"/>
+          </p:cNvPicPr>
+          <p:nvPr/>
+        </p:nvPicPr>
+        <p:blipFill>
+          <a:blip r:embed="rId3"/>
+          <a:stretch/>
+        </p:blipFill>
+        <p:spPr bwMode="auto">
+          <a:xfrm flipH="0" flipV="0">
+            <a:off x="7464136" y="4026562"/>
+            <a:ext cx="4140817" cy="2329210"/>
+          </a:xfrm>
+          <a:prstGeom prst="rect">
+            <a:avLst/>
+          </a:prstGeom>
+        </p:spPr>
+      </p:pic>
+      <p:pic>
+        <p:nvPicPr>
+          <p:cNvPr id="901148137" name=""/>
+          <p:cNvPicPr>
+            <a:picLocks noChangeAspect="1"/>
+          </p:cNvPicPr>
+          <p:nvPr/>
+        </p:nvPicPr>
+        <p:blipFill>
+          <a:blip r:embed="rId4"/>
+          <a:stretch/>
+        </p:blipFill>
+        <p:spPr bwMode="auto">
+          <a:xfrm flipH="0" flipV="0">
+            <a:off x="1541318" y="3550227"/>
+            <a:ext cx="4217939" cy="2372590"/>
+          </a:xfrm>
+          <a:prstGeom prst="rect">
+            <a:avLst/>
+          </a:prstGeom>
+        </p:spPr>
+      </p:pic>
     </p:spTree>
   </p:cSld>
   <p:clrMapOvr>
@@ -6565,7 +6574,7 @@
       </p:grpSpPr>
       <p:sp>
         <p:nvSpPr>
-          <p:cNvPr id="1595299414" name="Заголовок 1"/>
+          <p:cNvPr id="1054939729" name="Заголовок 1"/>
           <p:cNvSpPr>
             <a:spLocks noGrp="1"/>
           </p:cNvSpPr>
@@ -6573,7 +6582,12 @@
             <p:ph type="title"/>
           </p:nvPr>
         </p:nvSpPr>
-        <p:spPr bwMode="auto"/>
+        <p:spPr bwMode="auto">
+          <a:xfrm>
+            <a:off x="787829" y="222684"/>
+            <a:ext cx="10588757" cy="1143000"/>
+          </a:xfrm>
+        </p:spPr>
         <p:txBody>
           <a:bodyPr/>
           <a:lstStyle/>
@@ -6583,7 +6597,7 @@
             </a:pPr>
             <a:r>
               <a:rPr/>
-              <a:t>Последний слайд</a:t>
+              <a:t>Библиотеки для запуска</a:t>
             </a:r>
             <a:endParaRPr/>
           </a:p>
@@ -6591,7 +6605,7 @@
       </p:sp>
       <p:sp>
         <p:nvSpPr>
-          <p:cNvPr id="561635677" name="Объект 2"/>
+          <p:cNvPr id="1602924960" name="Объект 2"/>
           <p:cNvSpPr>
             <a:spLocks noGrp="1"/>
           </p:cNvSpPr>
@@ -6609,7 +6623,7 @@
             </a:pPr>
             <a:r>
               <a:rPr/>
-              <a:t>Слайд Последний</a:t>
+              <a:t>Flask, SQLAlchemy, Flask_wtf</a:t>
             </a:r>
             <a:endParaRPr/>
           </a:p>
